--- a/images/構成図.pptx
+++ b/images/構成図.pptx
@@ -911,7 +911,7 @@
           <a:p>
             <a:fld id="{22885721-CB0C-469C-8E24-6C6FDEC00B85}" type="datetimeFigureOut">
               <a:rPr kumimoji="1" lang="ja-JP" altLang="en-US" smtClean="0"/>
-              <a:t>2022/1/9</a:t>
+              <a:t>2022/1/21</a:t>
             </a:fld>
             <a:endParaRPr kumimoji="1" lang="ja-JP" altLang="en-US"/>
           </a:p>
@@ -1141,7 +1141,7 @@
           <a:p>
             <a:fld id="{22885721-CB0C-469C-8E24-6C6FDEC00B85}" type="datetimeFigureOut">
               <a:rPr kumimoji="1" lang="ja-JP" altLang="en-US" smtClean="0"/>
-              <a:t>2022/1/9</a:t>
+              <a:t>2022/1/21</a:t>
             </a:fld>
             <a:endParaRPr kumimoji="1" lang="ja-JP" altLang="en-US"/>
           </a:p>
@@ -1381,7 +1381,7 @@
           <a:p>
             <a:fld id="{22885721-CB0C-469C-8E24-6C6FDEC00B85}" type="datetimeFigureOut">
               <a:rPr kumimoji="1" lang="ja-JP" altLang="en-US" smtClean="0"/>
-              <a:t>2022/1/9</a:t>
+              <a:t>2022/1/21</a:t>
             </a:fld>
             <a:endParaRPr kumimoji="1" lang="ja-JP" altLang="en-US"/>
           </a:p>
@@ -1611,7 +1611,7 @@
           <a:p>
             <a:fld id="{22885721-CB0C-469C-8E24-6C6FDEC00B85}" type="datetimeFigureOut">
               <a:rPr kumimoji="1" lang="ja-JP" altLang="en-US" smtClean="0"/>
-              <a:t>2022/1/9</a:t>
+              <a:t>2022/1/21</a:t>
             </a:fld>
             <a:endParaRPr kumimoji="1" lang="ja-JP" altLang="en-US"/>
           </a:p>
@@ -1886,7 +1886,7 @@
           <a:p>
             <a:fld id="{22885721-CB0C-469C-8E24-6C6FDEC00B85}" type="datetimeFigureOut">
               <a:rPr kumimoji="1" lang="ja-JP" altLang="en-US" smtClean="0"/>
-              <a:t>2022/1/9</a:t>
+              <a:t>2022/1/21</a:t>
             </a:fld>
             <a:endParaRPr kumimoji="1" lang="ja-JP" altLang="en-US"/>
           </a:p>
@@ -2215,7 +2215,7 @@
           <a:p>
             <a:fld id="{22885721-CB0C-469C-8E24-6C6FDEC00B85}" type="datetimeFigureOut">
               <a:rPr kumimoji="1" lang="ja-JP" altLang="en-US" smtClean="0"/>
-              <a:t>2022/1/9</a:t>
+              <a:t>2022/1/21</a:t>
             </a:fld>
             <a:endParaRPr kumimoji="1" lang="ja-JP" altLang="en-US"/>
           </a:p>
@@ -2691,7 +2691,7 @@
           <a:p>
             <a:fld id="{22885721-CB0C-469C-8E24-6C6FDEC00B85}" type="datetimeFigureOut">
               <a:rPr kumimoji="1" lang="ja-JP" altLang="en-US" smtClean="0"/>
-              <a:t>2022/1/9</a:t>
+              <a:t>2022/1/21</a:t>
             </a:fld>
             <a:endParaRPr kumimoji="1" lang="ja-JP" altLang="en-US"/>
           </a:p>
@@ -2832,7 +2832,7 @@
           <a:p>
             <a:fld id="{22885721-CB0C-469C-8E24-6C6FDEC00B85}" type="datetimeFigureOut">
               <a:rPr kumimoji="1" lang="ja-JP" altLang="en-US" smtClean="0"/>
-              <a:t>2022/1/9</a:t>
+              <a:t>2022/1/21</a:t>
             </a:fld>
             <a:endParaRPr kumimoji="1" lang="ja-JP" altLang="en-US"/>
           </a:p>
@@ -2945,7 +2945,7 @@
           <a:p>
             <a:fld id="{22885721-CB0C-469C-8E24-6C6FDEC00B85}" type="datetimeFigureOut">
               <a:rPr kumimoji="1" lang="ja-JP" altLang="en-US" smtClean="0"/>
-              <a:t>2022/1/9</a:t>
+              <a:t>2022/1/21</a:t>
             </a:fld>
             <a:endParaRPr kumimoji="1" lang="ja-JP" altLang="en-US"/>
           </a:p>
@@ -3288,7 +3288,7 @@
           <a:p>
             <a:fld id="{22885721-CB0C-469C-8E24-6C6FDEC00B85}" type="datetimeFigureOut">
               <a:rPr kumimoji="1" lang="ja-JP" altLang="en-US" smtClean="0"/>
-              <a:t>2022/1/9</a:t>
+              <a:t>2022/1/21</a:t>
             </a:fld>
             <a:endParaRPr kumimoji="1" lang="ja-JP" altLang="en-US"/>
           </a:p>
@@ -3576,7 +3576,7 @@
           <a:p>
             <a:fld id="{22885721-CB0C-469C-8E24-6C6FDEC00B85}" type="datetimeFigureOut">
               <a:rPr kumimoji="1" lang="ja-JP" altLang="en-US" smtClean="0"/>
-              <a:t>2022/1/9</a:t>
+              <a:t>2022/1/21</a:t>
             </a:fld>
             <a:endParaRPr kumimoji="1" lang="ja-JP" altLang="en-US"/>
           </a:p>
@@ -3849,7 +3849,7 @@
           <a:p>
             <a:fld id="{22885721-CB0C-469C-8E24-6C6FDEC00B85}" type="datetimeFigureOut">
               <a:rPr kumimoji="1" lang="ja-JP" altLang="en-US" smtClean="0"/>
-              <a:t>2022/1/9</a:t>
+              <a:t>2022/1/21</a:t>
             </a:fld>
             <a:endParaRPr kumimoji="1" lang="ja-JP" altLang="en-US"/>
           </a:p>
@@ -5707,6 +5707,175 @@
           <a:xfrm flipH="1" flipV="1">
             <a:off x="3419456" y="1474202"/>
             <a:ext cx="1228012" cy="1074192"/>
+          </a:xfrm>
+          <a:prstGeom prst="line">
+            <a:avLst/>
+          </a:prstGeom>
+          <a:ln w="19050">
+            <a:solidFill>
+              <a:srgbClr val="0073CB"/>
+            </a:solidFill>
+          </a:ln>
+        </p:spPr>
+        <p:style>
+          <a:lnRef idx="1">
+            <a:schemeClr val="accent1"/>
+          </a:lnRef>
+          <a:fillRef idx="0">
+            <a:schemeClr val="accent1"/>
+          </a:fillRef>
+          <a:effectRef idx="0">
+            <a:schemeClr val="accent1"/>
+          </a:effectRef>
+          <a:fontRef idx="minor">
+            <a:schemeClr val="tx1"/>
+          </a:fontRef>
+        </p:style>
+      </p:cxnSp>
+      <p:grpSp>
+        <p:nvGrpSpPr>
+          <p:cNvPr id="7" name="グループ化 6">
+            <a:extLst>
+              <a:ext uri="{FF2B5EF4-FFF2-40B4-BE49-F238E27FC236}">
+                <a16:creationId xmlns:a16="http://schemas.microsoft.com/office/drawing/2014/main" id="{B429862A-8B63-43A1-94AC-DF05AA105E32}"/>
+              </a:ext>
+            </a:extLst>
+          </p:cNvPr>
+          <p:cNvGrpSpPr/>
+          <p:nvPr/>
+        </p:nvGrpSpPr>
+        <p:grpSpPr>
+          <a:xfrm>
+            <a:off x="5880742" y="463601"/>
+            <a:ext cx="979755" cy="973543"/>
+            <a:chOff x="5764438" y="470195"/>
+            <a:chExt cx="979755" cy="973543"/>
+          </a:xfrm>
+        </p:grpSpPr>
+        <p:pic>
+          <p:nvPicPr>
+            <p:cNvPr id="4" name="図 3" descr="アイコン&#10;&#10;自動的に生成された説明">
+              <a:extLst>
+                <a:ext uri="{FF2B5EF4-FFF2-40B4-BE49-F238E27FC236}">
+                  <a16:creationId xmlns:a16="http://schemas.microsoft.com/office/drawing/2014/main" id="{21239792-A8AE-48B6-89E6-88193876B6D5}"/>
+                </a:ext>
+              </a:extLst>
+            </p:cNvPr>
+            <p:cNvPicPr>
+              <a:picLocks noChangeAspect="1"/>
+            </p:cNvPicPr>
+            <p:nvPr/>
+          </p:nvPicPr>
+          <p:blipFill>
+            <a:blip r:embed="rId11">
+              <a:extLst>
+                <a:ext uri="{28A0092B-C50C-407E-A947-70E740481C1C}">
+                  <a14:useLocalDpi xmlns:a14="http://schemas.microsoft.com/office/drawing/2010/main" val="0"/>
+                </a:ext>
+              </a:extLst>
+            </a:blip>
+            <a:stretch>
+              <a:fillRect/>
+            </a:stretch>
+          </p:blipFill>
+          <p:spPr>
+            <a:xfrm>
+              <a:off x="5896341" y="470195"/>
+              <a:ext cx="715948" cy="715948"/>
+            </a:xfrm>
+            <a:prstGeom prst="rect">
+              <a:avLst/>
+            </a:prstGeom>
+          </p:spPr>
+        </p:pic>
+        <p:sp>
+          <p:nvSpPr>
+            <p:cNvPr id="5" name="テキスト ボックス 4">
+              <a:extLst>
+                <a:ext uri="{FF2B5EF4-FFF2-40B4-BE49-F238E27FC236}">
+                  <a16:creationId xmlns:a16="http://schemas.microsoft.com/office/drawing/2014/main" id="{A5EA08D1-8276-4B60-8112-A73CB8BE99A7}"/>
+                </a:ext>
+              </a:extLst>
+            </p:cNvPr>
+            <p:cNvSpPr txBox="1"/>
+            <p:nvPr/>
+          </p:nvSpPr>
+          <p:spPr>
+            <a:xfrm>
+              <a:off x="5764438" y="1135961"/>
+              <a:ext cx="979755" cy="307777"/>
+            </a:xfrm>
+            <a:prstGeom prst="rect">
+              <a:avLst/>
+            </a:prstGeom>
+            <a:noFill/>
+          </p:spPr>
+          <p:txBody>
+            <a:bodyPr wrap="none" rtlCol="0">
+              <a:spAutoFit/>
+            </a:bodyPr>
+            <a:lstStyle/>
+            <a:p>
+              <a:r>
+                <a:rPr lang="en-US" altLang="ja-JP" sz="1400" b="0" dirty="0">
+                  <a:solidFill>
+                    <a:schemeClr val="tx1">
+                      <a:lumMod val="50000"/>
+                      <a:lumOff val="50000"/>
+                    </a:schemeClr>
+                  </a:solidFill>
+                  <a:effectLst/>
+                  <a:latin typeface="Consolas" panose="020B0609020204030204" pitchFamily="49" charset="0"/>
+                </a:rPr>
+                <a:t>DNS</a:t>
+              </a:r>
+              <a:r>
+                <a:rPr lang="ja-JP" altLang="en-US" sz="1400" dirty="0">
+                  <a:solidFill>
+                    <a:schemeClr val="tx1">
+                      <a:lumMod val="50000"/>
+                      <a:lumOff val="50000"/>
+                    </a:schemeClr>
+                  </a:solidFill>
+                  <a:latin typeface="Consolas" panose="020B0609020204030204" pitchFamily="49" charset="0"/>
+                </a:rPr>
+                <a:t> </a:t>
+              </a:r>
+              <a:r>
+                <a:rPr lang="en-US" altLang="ja-JP" sz="1400" b="0" dirty="0">
+                  <a:solidFill>
+                    <a:schemeClr val="tx1">
+                      <a:lumMod val="50000"/>
+                      <a:lumOff val="50000"/>
+                    </a:schemeClr>
+                  </a:solidFill>
+                  <a:effectLst/>
+                  <a:latin typeface="Consolas" panose="020B0609020204030204" pitchFamily="49" charset="0"/>
+                </a:rPr>
+                <a:t>Zone</a:t>
+              </a:r>
+            </a:p>
+          </p:txBody>
+        </p:sp>
+      </p:grpSp>
+      <p:cxnSp>
+        <p:nvCxnSpPr>
+          <p:cNvPr id="8" name="直線コネクタ 7">
+            <a:extLst>
+              <a:ext uri="{FF2B5EF4-FFF2-40B4-BE49-F238E27FC236}">
+                <a16:creationId xmlns:a16="http://schemas.microsoft.com/office/drawing/2014/main" id="{C80AD3FF-A831-4CF8-8CC5-95033C3B7DCF}"/>
+              </a:ext>
+            </a:extLst>
+          </p:cNvPr>
+          <p:cNvCxnSpPr>
+            <a:cxnSpLocks/>
+          </p:cNvCxnSpPr>
+          <p:nvPr/>
+        </p:nvCxnSpPr>
+        <p:spPr>
+          <a:xfrm flipV="1">
+            <a:off x="6370620" y="1411017"/>
+            <a:ext cx="0" cy="241777"/>
           </a:xfrm>
           <a:prstGeom prst="line">
             <a:avLst/>
@@ -6042,6 +6211,6 @@
 
 <file path=docMetadata/LabelInfo.xml><?xml version="1.0" encoding="utf-8"?>
 <clbl:labelList xmlns:clbl="http://schemas.microsoft.com/office/2020/mipLabelMetadata">
-  <clbl:label id="{72f988bf-86f1-41af-91ab-2d7cd011db47}" enabled="0" method="" siteId="{72f988bf-86f1-41af-91ab-2d7cd011db47}" removed="1"/>
+  <clbl:label id="{f42aa342-8706-4288-bd11-ebb85995028c}" enabled="1" method="Standard" siteId="{72f988bf-86f1-41af-91ab-2d7cd011db47}" contentBits="0" removed="0"/>
 </clbl:labelList>
 </file>